--- a/SlideFinalEmAndamento.pptx
+++ b/SlideFinalEmAndamento.pptx
@@ -11,6 +11,7 @@
     <p:sldId id="267" r:id="rId5"/>
     <p:sldId id="266" r:id="rId6"/>
     <p:sldId id="265" r:id="rId7"/>
+    <p:sldId id="268" r:id="rId8"/>
   </p:sldIdLst>
   <p:sldSz cx="12192000" cy="6858000"/>
   <p:notesSz cx="6858000" cy="9144000"/>
@@ -3585,7 +3586,7 @@
         </p:nvSpPr>
         <p:spPr>
           <a:xfrm>
-            <a:off x="4993333" y="3365527"/>
+            <a:off x="5430062" y="3365527"/>
             <a:ext cx="1446663" cy="1405720"/>
           </a:xfrm>
           <a:prstGeom prst="ellipse">
@@ -3635,7 +3636,7 @@
         </p:nvSpPr>
         <p:spPr>
           <a:xfrm>
-            <a:off x="7276656" y="4850007"/>
+            <a:off x="7713385" y="4850007"/>
             <a:ext cx="1446663" cy="1405720"/>
           </a:xfrm>
           <a:prstGeom prst="ellipse">
@@ -3690,7 +3691,7 @@
         </p:nvSpPr>
         <p:spPr>
           <a:xfrm>
-            <a:off x="9686940" y="3373699"/>
+            <a:off x="10123669" y="3373699"/>
             <a:ext cx="1446663" cy="1405720"/>
           </a:xfrm>
           <a:prstGeom prst="ellipse">
@@ -3745,7 +3746,7 @@
         </p:nvSpPr>
         <p:spPr>
           <a:xfrm>
-            <a:off x="8126954" y="3373699"/>
+            <a:off x="8563683" y="3373699"/>
             <a:ext cx="1446663" cy="1405720"/>
           </a:xfrm>
           <a:prstGeom prst="ellipse">
@@ -3798,7 +3799,7 @@
         </p:nvSpPr>
         <p:spPr>
           <a:xfrm>
-            <a:off x="6553320" y="3365527"/>
+            <a:off x="6990049" y="3365527"/>
             <a:ext cx="1446663" cy="1405720"/>
           </a:xfrm>
           <a:prstGeom prst="ellipse">
@@ -3854,7 +3855,7 @@
         </p:nvSpPr>
         <p:spPr>
           <a:xfrm>
-            <a:off x="5656781" y="4877303"/>
+            <a:off x="6093510" y="4877303"/>
             <a:ext cx="1446663" cy="1405720"/>
           </a:xfrm>
           <a:prstGeom prst="ellipse">
@@ -3907,7 +3908,7 @@
         </p:nvSpPr>
         <p:spPr>
           <a:xfrm>
-            <a:off x="8822995" y="4850007"/>
+            <a:off x="9259724" y="4850007"/>
             <a:ext cx="1446663" cy="1405720"/>
           </a:xfrm>
           <a:prstGeom prst="ellipse">
@@ -4035,7 +4036,7 @@
         </p:nvSpPr>
         <p:spPr>
           <a:xfrm>
-            <a:off x="1002887" y="3786256"/>
+            <a:off x="1917287" y="3786256"/>
             <a:ext cx="3309806" cy="580606"/>
           </a:xfrm>
           <a:prstGeom prst="rect">
@@ -4088,7 +4089,60 @@
         </p:nvSpPr>
         <p:spPr>
           <a:xfrm>
-            <a:off x="1002887" y="4571582"/>
+            <a:off x="1917287" y="4598880"/>
+            <a:ext cx="3309806" cy="580606"/>
+          </a:xfrm>
+          <a:prstGeom prst="rect">
+            <a:avLst/>
+          </a:prstGeom>
+        </p:spPr>
+        <p:txBody>
+          <a:bodyPr vert="horz" lIns="91440" tIns="45720" rIns="91440" bIns="45720" rtlCol="0" anchor="b">
+            <a:normAutofit fontScale="77500" lnSpcReduction="20000"/>
+          </a:bodyPr>
+          <a:lstStyle>
+            <a:lvl1pPr algn="ctr" defTabSz="914400" rtl="0" eaLnBrk="1" latinLnBrk="0" hangingPunct="1">
+              <a:lnSpc>
+                <a:spcPct val="90000"/>
+              </a:lnSpc>
+              <a:spcBef>
+                <a:spcPct val="0"/>
+              </a:spcBef>
+              <a:buNone/>
+              <a:defRPr sz="6000" kern="1200">
+                <a:solidFill>
+                  <a:schemeClr val="tx1"/>
+                </a:solidFill>
+                <a:latin typeface="+mj-lt"/>
+                <a:ea typeface="+mj-ea"/>
+                <a:cs typeface="+mj-cs"/>
+              </a:defRPr>
+            </a:lvl1pPr>
+          </a:lstStyle>
+          <a:p>
+            <a:pPr marL="457200" indent="-457200" algn="l">
+              <a:buFont typeface="Wingdings" panose="05000000000000000000" pitchFamily="2" charset="2"/>
+              <a:buChar char="§"/>
+            </a:pPr>
+            <a:r>
+              <a:rPr lang="pt-BR" sz="2800" dirty="0" smtClean="0"/>
+              <a:t>Rodam em máquinas separadas</a:t>
+            </a:r>
+            <a:endParaRPr lang="pt-BR" sz="2800" dirty="0"/>
+          </a:p>
+        </p:txBody>
+      </p:sp>
+      <p:sp>
+        <p:nvSpPr>
+          <p:cNvPr id="20" name="Título 1"/>
+          <p:cNvSpPr txBox="1">
+            <a:spLocks/>
+          </p:cNvSpPr>
+          <p:nvPr/>
+        </p:nvSpPr>
+        <p:spPr>
+          <a:xfrm>
+            <a:off x="1917287" y="5308564"/>
             <a:ext cx="3309806" cy="580606"/>
           </a:xfrm>
           <a:prstGeom prst="rect">
@@ -4207,7 +4261,7 @@
         </p:nvSpPr>
         <p:spPr>
           <a:xfrm>
-            <a:off x="3200176" y="2715903"/>
+            <a:off x="2845329" y="2715903"/>
             <a:ext cx="3610059" cy="2497541"/>
           </a:xfrm>
           <a:prstGeom prst="rect">
@@ -4388,36 +4442,19 @@
               <a:buChar char="Ø"/>
             </a:pPr>
             <a:r>
-              <a:rPr lang="pt-BR" sz="4800" dirty="0" smtClean="0">
-                <a:solidFill>
-                  <a:schemeClr val="accent2">
-                    <a:lumMod val="50000"/>
-                  </a:schemeClr>
-                </a:solidFill>
-              </a:rPr>
+              <a:rPr lang="pt-BR" sz="4800" dirty="0" smtClean="0"/>
               <a:t>Controller </a:t>
             </a:r>
           </a:p>
           <a:p>
             <a:pPr algn="l"/>
             <a:endParaRPr lang="pt-BR" sz="4800" dirty="0" smtClean="0">
-              <a:solidFill>
-                <a:schemeClr val="accent2">
-                  <a:lumMod val="50000"/>
-                </a:schemeClr>
-              </a:solidFill>
               <a:sym typeface="Wingdings" panose="05000000000000000000" pitchFamily="2" charset="2"/>
             </a:endParaRPr>
           </a:p>
           <a:p>
             <a:pPr algn="l"/>
-            <a:endParaRPr lang="pt-BR" dirty="0" smtClean="0">
-              <a:solidFill>
-                <a:schemeClr val="accent2">
-                  <a:lumMod val="50000"/>
-                </a:schemeClr>
-              </a:solidFill>
-            </a:endParaRPr>
+            <a:endParaRPr lang="pt-BR" dirty="0" smtClean="0"/>
           </a:p>
           <a:p>
             <a:pPr marL="685800" indent="-685800" algn="l">
@@ -4425,22 +4462,11 @@
               <a:buChar char="Ø"/>
             </a:pPr>
             <a:r>
+              <a:rPr lang="pt-BR" sz="4800" dirty="0" smtClean="0"/>
+              <a:t>MVC</a:t>
+            </a:r>
+            <a:r>
               <a:rPr lang="pt-BR" sz="4800" dirty="0" smtClean="0">
-                <a:solidFill>
-                  <a:schemeClr val="accent2">
-                    <a:lumMod val="50000"/>
-                  </a:schemeClr>
-                </a:solidFill>
-              </a:rPr>
-              <a:t>MVC</a:t>
-            </a:r>
-            <a:r>
-              <a:rPr lang="pt-BR" sz="4800" dirty="0" smtClean="0">
-                <a:solidFill>
-                  <a:schemeClr val="accent2">
-                    <a:lumMod val="50000"/>
-                  </a:schemeClr>
-                </a:solidFill>
                 <a:sym typeface="Wingdings" panose="05000000000000000000" pitchFamily="2" charset="2"/>
               </a:rPr>
               <a:t> </a:t>
@@ -4448,13 +4474,7 @@
           </a:p>
           <a:p>
             <a:pPr algn="l"/>
-            <a:endParaRPr lang="pt-BR" dirty="0">
-              <a:solidFill>
-                <a:schemeClr val="accent2">
-                  <a:lumMod val="50000"/>
-                </a:schemeClr>
-              </a:solidFill>
-            </a:endParaRPr>
+            <a:endParaRPr lang="pt-BR" dirty="0"/>
           </a:p>
         </p:txBody>
       </p:sp>
@@ -4462,6 +4482,584 @@
     <p:extLst>
       <p:ext uri="{BB962C8B-B14F-4D97-AF65-F5344CB8AC3E}">
         <p14:creationId xmlns:p14="http://schemas.microsoft.com/office/powerpoint/2010/main" val="1394331688"/>
+      </p:ext>
+    </p:extLst>
+  </p:cSld>
+  <p:clrMapOvr>
+    <a:masterClrMapping/>
+  </p:clrMapOvr>
+  <p:timing>
+    <p:tnLst>
+      <p:par>
+        <p:cTn id="1" dur="indefinite" restart="never" nodeType="tmRoot"/>
+      </p:par>
+    </p:tnLst>
+  </p:timing>
+</p:sld>
+</file>
+
+<file path=ppt/slides/slide7.xml><?xml version="1.0" encoding="utf-8"?>
+<p:sld xmlns:a="http://schemas.openxmlformats.org/drawingml/2006/main" xmlns:r="http://schemas.openxmlformats.org/officeDocument/2006/relationships" xmlns:p="http://schemas.openxmlformats.org/presentationml/2006/main">
+  <p:cSld>
+    <p:spTree>
+      <p:nvGrpSpPr>
+        <p:cNvPr id="1" name=""/>
+        <p:cNvGrpSpPr/>
+        <p:nvPr/>
+      </p:nvGrpSpPr>
+      <p:grpSpPr>
+        <a:xfrm>
+          <a:off x="0" y="0"/>
+          <a:ext cx="0" cy="0"/>
+          <a:chOff x="0" y="0"/>
+          <a:chExt cx="0" cy="0"/>
+        </a:xfrm>
+      </p:grpSpPr>
+      <p:sp>
+        <p:nvSpPr>
+          <p:cNvPr id="7" name="Retângulo 6"/>
+          <p:cNvSpPr/>
+          <p:nvPr/>
+        </p:nvSpPr>
+        <p:spPr>
+          <a:xfrm>
+            <a:off x="4735771" y="2483895"/>
+            <a:ext cx="3016157" cy="4012445"/>
+          </a:xfrm>
+          <a:prstGeom prst="rect">
+            <a:avLst/>
+          </a:prstGeom>
+          <a:solidFill>
+            <a:schemeClr val="bg2">
+              <a:lumMod val="50000"/>
+            </a:schemeClr>
+          </a:solidFill>
+        </p:spPr>
+        <p:style>
+          <a:lnRef idx="2">
+            <a:schemeClr val="accent1">
+              <a:shade val="50000"/>
+            </a:schemeClr>
+          </a:lnRef>
+          <a:fillRef idx="1">
+            <a:schemeClr val="accent1"/>
+          </a:fillRef>
+          <a:effectRef idx="0">
+            <a:schemeClr val="accent1"/>
+          </a:effectRef>
+          <a:fontRef idx="minor">
+            <a:schemeClr val="lt1"/>
+          </a:fontRef>
+        </p:style>
+        <p:txBody>
+          <a:bodyPr rtlCol="0" anchor="ctr"/>
+          <a:lstStyle/>
+          <a:p>
+            <a:pPr algn="ctr"/>
+            <a:endParaRPr lang="pt-BR"/>
+          </a:p>
+        </p:txBody>
+      </p:sp>
+      <p:sp>
+        <p:nvSpPr>
+          <p:cNvPr id="6" name="Retângulo 5"/>
+          <p:cNvSpPr/>
+          <p:nvPr/>
+        </p:nvSpPr>
+        <p:spPr>
+          <a:xfrm>
+            <a:off x="4885889" y="4026095"/>
+            <a:ext cx="2688620" cy="627797"/>
+          </a:xfrm>
+          <a:prstGeom prst="rect">
+            <a:avLst/>
+          </a:prstGeom>
+          <a:solidFill>
+            <a:schemeClr val="accent2">
+              <a:lumMod val="50000"/>
+            </a:schemeClr>
+          </a:solidFill>
+          <a:ln>
+            <a:solidFill>
+              <a:schemeClr val="bg1"/>
+            </a:solidFill>
+          </a:ln>
+          <a:effectLst>
+            <a:outerShdw blurRad="50800" dist="38100" dir="5400000" algn="t" rotWithShape="0">
+              <a:prstClr val="black">
+                <a:alpha val="40000"/>
+              </a:prstClr>
+            </a:outerShdw>
+          </a:effectLst>
+        </p:spPr>
+        <p:style>
+          <a:lnRef idx="2">
+            <a:schemeClr val="accent1">
+              <a:shade val="50000"/>
+            </a:schemeClr>
+          </a:lnRef>
+          <a:fillRef idx="1">
+            <a:schemeClr val="accent1"/>
+          </a:fillRef>
+          <a:effectRef idx="0">
+            <a:schemeClr val="accent1"/>
+          </a:effectRef>
+          <a:fontRef idx="minor">
+            <a:schemeClr val="lt1"/>
+          </a:fontRef>
+        </p:style>
+        <p:txBody>
+          <a:bodyPr rtlCol="0" anchor="ctr"/>
+          <a:lstStyle/>
+          <a:p>
+            <a:pPr algn="ctr"/>
+            <a:r>
+              <a:rPr lang="pt-BR" sz="3200" dirty="0" smtClean="0"/>
+              <a:t>Mocha e Chai</a:t>
+            </a:r>
+            <a:endParaRPr lang="pt-BR" sz="3200" dirty="0"/>
+          </a:p>
+        </p:txBody>
+      </p:sp>
+      <p:sp>
+        <p:nvSpPr>
+          <p:cNvPr id="2" name="Título 1"/>
+          <p:cNvSpPr>
+            <a:spLocks noGrp="1"/>
+          </p:cNvSpPr>
+          <p:nvPr>
+            <p:ph type="ctrTitle"/>
+          </p:nvPr>
+        </p:nvSpPr>
+        <p:spPr>
+          <a:xfrm>
+            <a:off x="1105468" y="606611"/>
+            <a:ext cx="9990161" cy="998775"/>
+          </a:xfrm>
+        </p:spPr>
+        <p:txBody>
+          <a:bodyPr>
+            <a:normAutofit/>
+          </a:bodyPr>
+          <a:lstStyle/>
+          <a:p>
+            <a:pPr algn="l"/>
+            <a:r>
+              <a:rPr lang="pt-BR" sz="5000" dirty="0" smtClean="0"/>
+              <a:t>Plataformas e Frameworks Utilizados </a:t>
+            </a:r>
+            <a:endParaRPr lang="pt-BR" sz="5000" dirty="0"/>
+          </a:p>
+        </p:txBody>
+      </p:sp>
+      <p:sp>
+        <p:nvSpPr>
+          <p:cNvPr id="5" name="Espaço Reservado para Conteúdo 2"/>
+          <p:cNvSpPr txBox="1">
+            <a:spLocks/>
+          </p:cNvSpPr>
+          <p:nvPr/>
+        </p:nvSpPr>
+        <p:spPr>
+          <a:xfrm>
+            <a:off x="1105467" y="2961565"/>
+            <a:ext cx="5773005" cy="3357352"/>
+          </a:xfrm>
+          <a:prstGeom prst="rect">
+            <a:avLst/>
+          </a:prstGeom>
+        </p:spPr>
+        <p:txBody>
+          <a:bodyPr vert="horz" lIns="91440" tIns="45720" rIns="91440" bIns="45720" rtlCol="0">
+            <a:normAutofit/>
+          </a:bodyPr>
+          <a:lstStyle>
+            <a:lvl1pPr marL="0" indent="0" algn="ctr" defTabSz="914400" rtl="0" eaLnBrk="1" latinLnBrk="0" hangingPunct="1">
+              <a:lnSpc>
+                <a:spcPct val="90000"/>
+              </a:lnSpc>
+              <a:spcBef>
+                <a:spcPts val="1000"/>
+              </a:spcBef>
+              <a:buFont typeface="Arial" panose="020B0604020202020204" pitchFamily="34" charset="0"/>
+              <a:buNone/>
+              <a:defRPr sz="2400" kern="1200">
+                <a:solidFill>
+                  <a:schemeClr val="tx1"/>
+                </a:solidFill>
+                <a:latin typeface="+mn-lt"/>
+                <a:ea typeface="+mn-ea"/>
+                <a:cs typeface="+mn-cs"/>
+              </a:defRPr>
+            </a:lvl1pPr>
+            <a:lvl2pPr marL="457200" indent="0" algn="ctr" defTabSz="914400" rtl="0" eaLnBrk="1" latinLnBrk="0" hangingPunct="1">
+              <a:lnSpc>
+                <a:spcPct val="90000"/>
+              </a:lnSpc>
+              <a:spcBef>
+                <a:spcPts val="500"/>
+              </a:spcBef>
+              <a:buFont typeface="Arial" panose="020B0604020202020204" pitchFamily="34" charset="0"/>
+              <a:buNone/>
+              <a:defRPr sz="2000" kern="1200">
+                <a:solidFill>
+                  <a:schemeClr val="tx1"/>
+                </a:solidFill>
+                <a:latin typeface="+mn-lt"/>
+                <a:ea typeface="+mn-ea"/>
+                <a:cs typeface="+mn-cs"/>
+              </a:defRPr>
+            </a:lvl2pPr>
+            <a:lvl3pPr marL="914400" indent="0" algn="ctr" defTabSz="914400" rtl="0" eaLnBrk="1" latinLnBrk="0" hangingPunct="1">
+              <a:lnSpc>
+                <a:spcPct val="90000"/>
+              </a:lnSpc>
+              <a:spcBef>
+                <a:spcPts val="500"/>
+              </a:spcBef>
+              <a:buFont typeface="Arial" panose="020B0604020202020204" pitchFamily="34" charset="0"/>
+              <a:buNone/>
+              <a:defRPr sz="1800" kern="1200">
+                <a:solidFill>
+                  <a:schemeClr val="tx1"/>
+                </a:solidFill>
+                <a:latin typeface="+mn-lt"/>
+                <a:ea typeface="+mn-ea"/>
+                <a:cs typeface="+mn-cs"/>
+              </a:defRPr>
+            </a:lvl3pPr>
+            <a:lvl4pPr marL="1371600" indent="0" algn="ctr" defTabSz="914400" rtl="0" eaLnBrk="1" latinLnBrk="0" hangingPunct="1">
+              <a:lnSpc>
+                <a:spcPct val="90000"/>
+              </a:lnSpc>
+              <a:spcBef>
+                <a:spcPts val="500"/>
+              </a:spcBef>
+              <a:buFont typeface="Arial" panose="020B0604020202020204" pitchFamily="34" charset="0"/>
+              <a:buNone/>
+              <a:defRPr sz="1600" kern="1200">
+                <a:solidFill>
+                  <a:schemeClr val="tx1"/>
+                </a:solidFill>
+                <a:latin typeface="+mn-lt"/>
+                <a:ea typeface="+mn-ea"/>
+                <a:cs typeface="+mn-cs"/>
+              </a:defRPr>
+            </a:lvl4pPr>
+            <a:lvl5pPr marL="1828800" indent="0" algn="ctr" defTabSz="914400" rtl="0" eaLnBrk="1" latinLnBrk="0" hangingPunct="1">
+              <a:lnSpc>
+                <a:spcPct val="90000"/>
+              </a:lnSpc>
+              <a:spcBef>
+                <a:spcPts val="500"/>
+              </a:spcBef>
+              <a:buFont typeface="Arial" panose="020B0604020202020204" pitchFamily="34" charset="0"/>
+              <a:buNone/>
+              <a:defRPr sz="1600" kern="1200">
+                <a:solidFill>
+                  <a:schemeClr val="tx1"/>
+                </a:solidFill>
+                <a:latin typeface="+mn-lt"/>
+                <a:ea typeface="+mn-ea"/>
+                <a:cs typeface="+mn-cs"/>
+              </a:defRPr>
+            </a:lvl5pPr>
+            <a:lvl6pPr marL="2286000" indent="0" algn="ctr" defTabSz="914400" rtl="0" eaLnBrk="1" latinLnBrk="0" hangingPunct="1">
+              <a:lnSpc>
+                <a:spcPct val="90000"/>
+              </a:lnSpc>
+              <a:spcBef>
+                <a:spcPts val="500"/>
+              </a:spcBef>
+              <a:buFont typeface="Arial" panose="020B0604020202020204" pitchFamily="34" charset="0"/>
+              <a:buNone/>
+              <a:defRPr sz="1600" kern="1200">
+                <a:solidFill>
+                  <a:schemeClr val="tx1"/>
+                </a:solidFill>
+                <a:latin typeface="+mn-lt"/>
+                <a:ea typeface="+mn-ea"/>
+                <a:cs typeface="+mn-cs"/>
+              </a:defRPr>
+            </a:lvl6pPr>
+            <a:lvl7pPr marL="2743200" indent="0" algn="ctr" defTabSz="914400" rtl="0" eaLnBrk="1" latinLnBrk="0" hangingPunct="1">
+              <a:lnSpc>
+                <a:spcPct val="90000"/>
+              </a:lnSpc>
+              <a:spcBef>
+                <a:spcPts val="500"/>
+              </a:spcBef>
+              <a:buFont typeface="Arial" panose="020B0604020202020204" pitchFamily="34" charset="0"/>
+              <a:buNone/>
+              <a:defRPr sz="1600" kern="1200">
+                <a:solidFill>
+                  <a:schemeClr val="tx1"/>
+                </a:solidFill>
+                <a:latin typeface="+mn-lt"/>
+                <a:ea typeface="+mn-ea"/>
+                <a:cs typeface="+mn-cs"/>
+              </a:defRPr>
+            </a:lvl7pPr>
+            <a:lvl8pPr marL="3200400" indent="0" algn="ctr" defTabSz="914400" rtl="0" eaLnBrk="1" latinLnBrk="0" hangingPunct="1">
+              <a:lnSpc>
+                <a:spcPct val="90000"/>
+              </a:lnSpc>
+              <a:spcBef>
+                <a:spcPts val="500"/>
+              </a:spcBef>
+              <a:buFont typeface="Arial" panose="020B0604020202020204" pitchFamily="34" charset="0"/>
+              <a:buNone/>
+              <a:defRPr sz="1600" kern="1200">
+                <a:solidFill>
+                  <a:schemeClr val="tx1"/>
+                </a:solidFill>
+                <a:latin typeface="+mn-lt"/>
+                <a:ea typeface="+mn-ea"/>
+                <a:cs typeface="+mn-cs"/>
+              </a:defRPr>
+            </a:lvl8pPr>
+            <a:lvl9pPr marL="3657600" indent="0" algn="ctr" defTabSz="914400" rtl="0" eaLnBrk="1" latinLnBrk="0" hangingPunct="1">
+              <a:lnSpc>
+                <a:spcPct val="90000"/>
+              </a:lnSpc>
+              <a:spcBef>
+                <a:spcPts val="500"/>
+              </a:spcBef>
+              <a:buFont typeface="Arial" panose="020B0604020202020204" pitchFamily="34" charset="0"/>
+              <a:buNone/>
+              <a:defRPr sz="1600" kern="1200">
+                <a:solidFill>
+                  <a:schemeClr val="tx1"/>
+                </a:solidFill>
+                <a:latin typeface="+mn-lt"/>
+                <a:ea typeface="+mn-ea"/>
+                <a:cs typeface="+mn-cs"/>
+              </a:defRPr>
+            </a:lvl9pPr>
+          </a:lstStyle>
+          <a:p>
+            <a:pPr marL="685800" indent="-685800" algn="l">
+              <a:buFont typeface="Wingdings" panose="05000000000000000000" pitchFamily="2" charset="2"/>
+              <a:buChar char="Ø"/>
+            </a:pPr>
+            <a:r>
+              <a:rPr lang="pt-BR" sz="3200" dirty="0" smtClean="0"/>
+              <a:t>Back-End  </a:t>
+            </a:r>
+            <a:r>
+              <a:rPr lang="pt-BR" sz="3200" dirty="0" smtClean="0">
+                <a:sym typeface="Wingdings" panose="05000000000000000000" pitchFamily="2" charset="2"/>
+              </a:rPr>
+              <a:t></a:t>
+            </a:r>
+            <a:r>
+              <a:rPr lang="pt-BR" sz="3200" dirty="0" smtClean="0"/>
+              <a:t>     </a:t>
+            </a:r>
+            <a:r>
+              <a:rPr lang="pt-BR" sz="3200" dirty="0" smtClean="0">
+                <a:solidFill>
+                  <a:schemeClr val="bg1"/>
+                </a:solidFill>
+              </a:rPr>
+              <a:t> </a:t>
+            </a:r>
+          </a:p>
+          <a:p>
+            <a:pPr marL="685800" indent="-685800" algn="l">
+              <a:buFont typeface="Wingdings" panose="05000000000000000000" pitchFamily="2" charset="2"/>
+              <a:buChar char="Ø"/>
+            </a:pPr>
+            <a:endParaRPr lang="pt-BR" sz="3200" dirty="0" smtClean="0">
+              <a:sym typeface="Wingdings" panose="05000000000000000000" pitchFamily="2" charset="2"/>
+            </a:endParaRPr>
+          </a:p>
+          <a:p>
+            <a:pPr marL="685800" indent="-685800" algn="l">
+              <a:buFont typeface="Wingdings" panose="05000000000000000000" pitchFamily="2" charset="2"/>
+              <a:buChar char="Ø"/>
+            </a:pPr>
+            <a:r>
+              <a:rPr lang="pt-BR" sz="3200" dirty="0" smtClean="0">
+                <a:sym typeface="Wingdings" panose="05000000000000000000" pitchFamily="2" charset="2"/>
+              </a:rPr>
+              <a:t>Testes            </a:t>
+            </a:r>
+            <a:endParaRPr lang="pt-BR" sz="3200" dirty="0" smtClean="0">
+              <a:solidFill>
+                <a:schemeClr val="bg1"/>
+              </a:solidFill>
+              <a:sym typeface="Wingdings" panose="05000000000000000000" pitchFamily="2" charset="2"/>
+            </a:endParaRPr>
+          </a:p>
+          <a:p>
+            <a:pPr marL="685800" indent="-685800" algn="l">
+              <a:buFont typeface="Wingdings" panose="05000000000000000000" pitchFamily="2" charset="2"/>
+              <a:buChar char="Ø"/>
+            </a:pPr>
+            <a:endParaRPr lang="pt-BR" sz="3200" dirty="0" smtClean="0">
+              <a:sym typeface="Wingdings" panose="05000000000000000000" pitchFamily="2" charset="2"/>
+            </a:endParaRPr>
+          </a:p>
+          <a:p>
+            <a:pPr marL="685800" indent="-685800" algn="l">
+              <a:buFont typeface="Wingdings" panose="05000000000000000000" pitchFamily="2" charset="2"/>
+              <a:buChar char="Ø"/>
+            </a:pPr>
+            <a:r>
+              <a:rPr lang="pt-BR" sz="3200" dirty="0" smtClean="0">
+                <a:sym typeface="Wingdings" panose="05000000000000000000" pitchFamily="2" charset="2"/>
+              </a:rPr>
+              <a:t>Front-End      </a:t>
+            </a:r>
+            <a:endParaRPr lang="pt-BR" sz="3200" dirty="0" smtClean="0">
+              <a:solidFill>
+                <a:schemeClr val="bg1"/>
+              </a:solidFill>
+              <a:sym typeface="Wingdings" panose="05000000000000000000" pitchFamily="2" charset="2"/>
+            </a:endParaRPr>
+          </a:p>
+          <a:p>
+            <a:pPr marL="685800" indent="-685800" algn="l">
+              <a:buFont typeface="Wingdings" panose="05000000000000000000" pitchFamily="2" charset="2"/>
+              <a:buChar char="Ø"/>
+            </a:pPr>
+            <a:endParaRPr lang="pt-BR" sz="3200" dirty="0" smtClean="0">
+              <a:sym typeface="Wingdings" panose="05000000000000000000" pitchFamily="2" charset="2"/>
+            </a:endParaRPr>
+          </a:p>
+          <a:p>
+            <a:pPr algn="l"/>
+            <a:endParaRPr lang="pt-BR" sz="3200" dirty="0"/>
+          </a:p>
+        </p:txBody>
+      </p:sp>
+      <p:sp>
+        <p:nvSpPr>
+          <p:cNvPr id="9" name="Retângulo 8"/>
+          <p:cNvSpPr/>
+          <p:nvPr/>
+        </p:nvSpPr>
+        <p:spPr>
+          <a:xfrm>
+            <a:off x="5452278" y="5158861"/>
+            <a:ext cx="1617260" cy="627797"/>
+          </a:xfrm>
+          <a:prstGeom prst="rect">
+            <a:avLst/>
+          </a:prstGeom>
+          <a:solidFill>
+            <a:schemeClr val="accent5">
+              <a:lumMod val="50000"/>
+            </a:schemeClr>
+          </a:solidFill>
+          <a:ln>
+            <a:solidFill>
+              <a:schemeClr val="bg1"/>
+            </a:solidFill>
+          </a:ln>
+          <a:effectLst>
+            <a:outerShdw blurRad="50800" dist="38100" dir="5400000" algn="t" rotWithShape="0">
+              <a:prstClr val="black">
+                <a:alpha val="40000"/>
+              </a:prstClr>
+            </a:outerShdw>
+          </a:effectLst>
+        </p:spPr>
+        <p:style>
+          <a:lnRef idx="2">
+            <a:schemeClr val="accent1">
+              <a:shade val="50000"/>
+            </a:schemeClr>
+          </a:lnRef>
+          <a:fillRef idx="1">
+            <a:schemeClr val="accent1"/>
+          </a:fillRef>
+          <a:effectRef idx="0">
+            <a:schemeClr val="accent1"/>
+          </a:effectRef>
+          <a:fontRef idx="minor">
+            <a:schemeClr val="lt1"/>
+          </a:fontRef>
+        </p:style>
+        <p:txBody>
+          <a:bodyPr rtlCol="0" anchor="ctr"/>
+          <a:lstStyle/>
+          <a:p>
+            <a:pPr algn="ctr"/>
+            <a:r>
+              <a:rPr lang="pt-BR" sz="3200" dirty="0" smtClean="0"/>
+              <a:t>Angular</a:t>
+            </a:r>
+            <a:endParaRPr lang="pt-BR" sz="3200" dirty="0"/>
+          </a:p>
+        </p:txBody>
+      </p:sp>
+      <p:sp>
+        <p:nvSpPr>
+          <p:cNvPr id="10" name="Retângulo 9"/>
+          <p:cNvSpPr/>
+          <p:nvPr/>
+        </p:nvSpPr>
+        <p:spPr>
+          <a:xfrm>
+            <a:off x="5452278" y="2893329"/>
+            <a:ext cx="1617260" cy="627797"/>
+          </a:xfrm>
+          <a:prstGeom prst="rect">
+            <a:avLst/>
+          </a:prstGeom>
+          <a:solidFill>
+            <a:schemeClr val="accent6">
+              <a:lumMod val="75000"/>
+            </a:schemeClr>
+          </a:solidFill>
+          <a:ln>
+            <a:solidFill>
+              <a:schemeClr val="bg1"/>
+            </a:solidFill>
+          </a:ln>
+          <a:effectLst>
+            <a:outerShdw blurRad="50800" dist="38100" dir="8100000" algn="tr" rotWithShape="0">
+              <a:prstClr val="black">
+                <a:alpha val="40000"/>
+              </a:prstClr>
+            </a:outerShdw>
+          </a:effectLst>
+        </p:spPr>
+        <p:style>
+          <a:lnRef idx="2">
+            <a:schemeClr val="accent1">
+              <a:shade val="50000"/>
+            </a:schemeClr>
+          </a:lnRef>
+          <a:fillRef idx="1">
+            <a:schemeClr val="accent1"/>
+          </a:fillRef>
+          <a:effectRef idx="0">
+            <a:schemeClr val="accent1"/>
+          </a:effectRef>
+          <a:fontRef idx="minor">
+            <a:schemeClr val="lt1"/>
+          </a:fontRef>
+        </p:style>
+        <p:txBody>
+          <a:bodyPr rtlCol="0" anchor="ctr"/>
+          <a:lstStyle/>
+          <a:p>
+            <a:pPr algn="ctr"/>
+            <a:r>
+              <a:rPr lang="pt-BR" sz="3200" dirty="0" smtClean="0"/>
+              <a:t>Node.JS</a:t>
+            </a:r>
+            <a:endParaRPr lang="pt-BR" sz="3200" dirty="0"/>
+          </a:p>
+        </p:txBody>
+      </p:sp>
+    </p:spTree>
+    <p:extLst>
+      <p:ext uri="{BB962C8B-B14F-4D97-AF65-F5344CB8AC3E}">
+        <p14:creationId xmlns:p14="http://schemas.microsoft.com/office/powerpoint/2010/main" val="2274915258"/>
       </p:ext>
     </p:extLst>
   </p:cSld>
